--- a/ppt 16-9/0851.主前问心.pptx
+++ b/ppt 16-9/0851.主前问心.pptx
@@ -5,7 +5,7 @@
     <p:sldMasterId id="2147483648" r:id="rId1"/>
   </p:sldMasterIdLst>
   <p:sldIdLst>
-    <p:sldId id="2150" r:id="rId2"/>
+    <p:sldId id="2151" r:id="rId2"/>
   </p:sldIdLst>
   <p:sldSz cx="12192000" cy="6858000"/>
   <p:notesSz cx="6858000" cy="9144000"/>
@@ -129,7 +129,7 @@
           <p:cNvPr id="2" name="标题 1">
             <a:extLst>
               <a:ext uri="{FF2B5EF4-FFF2-40B4-BE49-F238E27FC236}">
-                <a16:creationId xmlns:a16="http://schemas.microsoft.com/office/drawing/2014/main" id="{675D3345-38A1-A2C2-4B30-F50C99DC45B0}"/>
+                <a16:creationId xmlns:a16="http://schemas.microsoft.com/office/drawing/2014/main" id="{900AB882-4FBE-3F8B-00E2-930AE641614A}"/>
               </a:ext>
             </a:extLst>
           </p:cNvPr>
@@ -166,7 +166,7 @@
           <p:cNvPr id="3" name="副标题 2">
             <a:extLst>
               <a:ext uri="{FF2B5EF4-FFF2-40B4-BE49-F238E27FC236}">
-                <a16:creationId xmlns:a16="http://schemas.microsoft.com/office/drawing/2014/main" id="{78B2959F-504B-8B38-7111-A2542A136915}"/>
+                <a16:creationId xmlns:a16="http://schemas.microsoft.com/office/drawing/2014/main" id="{22D37D0D-93F7-664E-A6D3-662DEE68B68D}"/>
               </a:ext>
             </a:extLst>
           </p:cNvPr>
@@ -236,7 +236,7 @@
           <p:cNvPr id="4" name="日期占位符 3">
             <a:extLst>
               <a:ext uri="{FF2B5EF4-FFF2-40B4-BE49-F238E27FC236}">
-                <a16:creationId xmlns:a16="http://schemas.microsoft.com/office/drawing/2014/main" id="{3167BA89-3D5E-010E-917E-DD676D59E6E3}"/>
+                <a16:creationId xmlns:a16="http://schemas.microsoft.com/office/drawing/2014/main" id="{095BDD65-8309-0609-9959-30583570C7A2}"/>
               </a:ext>
             </a:extLst>
           </p:cNvPr>
@@ -252,7 +252,7 @@
           <a:bodyPr/>
           <a:lstStyle/>
           <a:p>
-            <a:fld id="{173FADF5-E3A9-4E9D-9EE8-68C856E53538}" type="datetimeFigureOut">
+            <a:fld id="{A71190F3-E7D4-47E9-B84F-D845036CCAE6}" type="datetimeFigureOut">
               <a:rPr lang="zh-CN" altLang="en-US" smtClean="0"/>
               <a:t>2024/3/10</a:t>
             </a:fld>
@@ -265,7 +265,7 @@
           <p:cNvPr id="5" name="页脚占位符 4">
             <a:extLst>
               <a:ext uri="{FF2B5EF4-FFF2-40B4-BE49-F238E27FC236}">
-                <a16:creationId xmlns:a16="http://schemas.microsoft.com/office/drawing/2014/main" id="{3C1C0CAD-6546-FFC8-1E60-E53A24426414}"/>
+                <a16:creationId xmlns:a16="http://schemas.microsoft.com/office/drawing/2014/main" id="{55AC0FBB-FEE7-CB65-6981-71B323534FE8}"/>
               </a:ext>
             </a:extLst>
           </p:cNvPr>
@@ -290,7 +290,7 @@
           <p:cNvPr id="6" name="灯片编号占位符 5">
             <a:extLst>
               <a:ext uri="{FF2B5EF4-FFF2-40B4-BE49-F238E27FC236}">
-                <a16:creationId xmlns:a16="http://schemas.microsoft.com/office/drawing/2014/main" id="{F827E8B0-AD41-2477-C01A-2438FA42128B}"/>
+                <a16:creationId xmlns:a16="http://schemas.microsoft.com/office/drawing/2014/main" id="{E2C1698E-D2E7-4661-1DDF-A64EE9F0746F}"/>
               </a:ext>
             </a:extLst>
           </p:cNvPr>
@@ -306,7 +306,7 @@
           <a:bodyPr/>
           <a:lstStyle/>
           <a:p>
-            <a:fld id="{89711403-0C19-4F97-82A2-CA5738AFF44D}" type="slidenum">
+            <a:fld id="{047CE682-8D25-429C-B32A-9EDF4CCA712E}" type="slidenum">
               <a:rPr lang="zh-CN" altLang="en-US" smtClean="0"/>
               <a:t>‹#›</a:t>
             </a:fld>
@@ -317,7 +317,7 @@
     </p:spTree>
     <p:extLst>
       <p:ext uri="{BB962C8B-B14F-4D97-AF65-F5344CB8AC3E}">
-        <p14:creationId xmlns:p14="http://schemas.microsoft.com/office/powerpoint/2010/main" val="4097041620"/>
+        <p14:creationId xmlns:p14="http://schemas.microsoft.com/office/powerpoint/2010/main" val="4251499087"/>
       </p:ext>
     </p:extLst>
   </p:cSld>
@@ -349,7 +349,7 @@
           <p:cNvPr id="2" name="标题 1">
             <a:extLst>
               <a:ext uri="{FF2B5EF4-FFF2-40B4-BE49-F238E27FC236}">
-                <a16:creationId xmlns:a16="http://schemas.microsoft.com/office/drawing/2014/main" id="{D4792728-1889-9F91-EB49-490E955E83B4}"/>
+                <a16:creationId xmlns:a16="http://schemas.microsoft.com/office/drawing/2014/main" id="{28ECC2CD-1D91-D4D0-6084-C5B2416C2BE0}"/>
               </a:ext>
             </a:extLst>
           </p:cNvPr>
@@ -377,7 +377,7 @@
           <p:cNvPr id="3" name="竖排文字占位符 2">
             <a:extLst>
               <a:ext uri="{FF2B5EF4-FFF2-40B4-BE49-F238E27FC236}">
-                <a16:creationId xmlns:a16="http://schemas.microsoft.com/office/drawing/2014/main" id="{F96B9A87-5F7F-444F-1BEA-850705603515}"/>
+                <a16:creationId xmlns:a16="http://schemas.microsoft.com/office/drawing/2014/main" id="{5C072BFD-DE46-2A64-2433-9FA5A0CD8E71}"/>
               </a:ext>
             </a:extLst>
           </p:cNvPr>
@@ -434,7 +434,7 @@
           <p:cNvPr id="4" name="日期占位符 3">
             <a:extLst>
               <a:ext uri="{FF2B5EF4-FFF2-40B4-BE49-F238E27FC236}">
-                <a16:creationId xmlns:a16="http://schemas.microsoft.com/office/drawing/2014/main" id="{F5919EF3-3859-748C-3FE3-D4C8C3E5FC50}"/>
+                <a16:creationId xmlns:a16="http://schemas.microsoft.com/office/drawing/2014/main" id="{BD796FB2-F57F-6FBF-5588-45F5E2AA69C2}"/>
               </a:ext>
             </a:extLst>
           </p:cNvPr>
@@ -450,7 +450,7 @@
           <a:bodyPr/>
           <a:lstStyle/>
           <a:p>
-            <a:fld id="{173FADF5-E3A9-4E9D-9EE8-68C856E53538}" type="datetimeFigureOut">
+            <a:fld id="{A71190F3-E7D4-47E9-B84F-D845036CCAE6}" type="datetimeFigureOut">
               <a:rPr lang="zh-CN" altLang="en-US" smtClean="0"/>
               <a:t>2024/3/10</a:t>
             </a:fld>
@@ -463,7 +463,7 @@
           <p:cNvPr id="5" name="页脚占位符 4">
             <a:extLst>
               <a:ext uri="{FF2B5EF4-FFF2-40B4-BE49-F238E27FC236}">
-                <a16:creationId xmlns:a16="http://schemas.microsoft.com/office/drawing/2014/main" id="{9EDA1743-F564-EDA3-DAE8-9D4E1FD702EE}"/>
+                <a16:creationId xmlns:a16="http://schemas.microsoft.com/office/drawing/2014/main" id="{E9668E6A-F8E7-83E7-7A2B-37EDE8487D3D}"/>
               </a:ext>
             </a:extLst>
           </p:cNvPr>
@@ -488,7 +488,7 @@
           <p:cNvPr id="6" name="灯片编号占位符 5">
             <a:extLst>
               <a:ext uri="{FF2B5EF4-FFF2-40B4-BE49-F238E27FC236}">
-                <a16:creationId xmlns:a16="http://schemas.microsoft.com/office/drawing/2014/main" id="{FACF9EFC-92ED-6918-704A-2F6B712C42E9}"/>
+                <a16:creationId xmlns:a16="http://schemas.microsoft.com/office/drawing/2014/main" id="{B2712004-DDB9-F5B7-4042-05880A749651}"/>
               </a:ext>
             </a:extLst>
           </p:cNvPr>
@@ -504,7 +504,7 @@
           <a:bodyPr/>
           <a:lstStyle/>
           <a:p>
-            <a:fld id="{89711403-0C19-4F97-82A2-CA5738AFF44D}" type="slidenum">
+            <a:fld id="{047CE682-8D25-429C-B32A-9EDF4CCA712E}" type="slidenum">
               <a:rPr lang="zh-CN" altLang="en-US" smtClean="0"/>
               <a:t>‹#›</a:t>
             </a:fld>
@@ -515,7 +515,7 @@
     </p:spTree>
     <p:extLst>
       <p:ext uri="{BB962C8B-B14F-4D97-AF65-F5344CB8AC3E}">
-        <p14:creationId xmlns:p14="http://schemas.microsoft.com/office/powerpoint/2010/main" val="2044130136"/>
+        <p14:creationId xmlns:p14="http://schemas.microsoft.com/office/powerpoint/2010/main" val="1221828016"/>
       </p:ext>
     </p:extLst>
   </p:cSld>
@@ -547,7 +547,7 @@
           <p:cNvPr id="2" name="竖排标题 1">
             <a:extLst>
               <a:ext uri="{FF2B5EF4-FFF2-40B4-BE49-F238E27FC236}">
-                <a16:creationId xmlns:a16="http://schemas.microsoft.com/office/drawing/2014/main" id="{1D3BFF62-605D-FD09-4DC0-8025AA32A76D}"/>
+                <a16:creationId xmlns:a16="http://schemas.microsoft.com/office/drawing/2014/main" id="{EDF634AD-5F5E-290C-F4F8-A4394839A8A5}"/>
               </a:ext>
             </a:extLst>
           </p:cNvPr>
@@ -580,7 +580,7 @@
           <p:cNvPr id="3" name="竖排文字占位符 2">
             <a:extLst>
               <a:ext uri="{FF2B5EF4-FFF2-40B4-BE49-F238E27FC236}">
-                <a16:creationId xmlns:a16="http://schemas.microsoft.com/office/drawing/2014/main" id="{84AC8491-49F3-4BA8-55DA-6FBAACF11C97}"/>
+                <a16:creationId xmlns:a16="http://schemas.microsoft.com/office/drawing/2014/main" id="{BB7DAB4F-988A-A3EA-4326-E6A0CD566A0B}"/>
               </a:ext>
             </a:extLst>
           </p:cNvPr>
@@ -642,7 +642,7 @@
           <p:cNvPr id="4" name="日期占位符 3">
             <a:extLst>
               <a:ext uri="{FF2B5EF4-FFF2-40B4-BE49-F238E27FC236}">
-                <a16:creationId xmlns:a16="http://schemas.microsoft.com/office/drawing/2014/main" id="{C0602B01-05DC-0FB1-6D2B-CED324C0F5DE}"/>
+                <a16:creationId xmlns:a16="http://schemas.microsoft.com/office/drawing/2014/main" id="{4C44E9F9-D22A-C3D2-072E-4FF5FBE5A987}"/>
               </a:ext>
             </a:extLst>
           </p:cNvPr>
@@ -658,7 +658,7 @@
           <a:bodyPr/>
           <a:lstStyle/>
           <a:p>
-            <a:fld id="{173FADF5-E3A9-4E9D-9EE8-68C856E53538}" type="datetimeFigureOut">
+            <a:fld id="{A71190F3-E7D4-47E9-B84F-D845036CCAE6}" type="datetimeFigureOut">
               <a:rPr lang="zh-CN" altLang="en-US" smtClean="0"/>
               <a:t>2024/3/10</a:t>
             </a:fld>
@@ -671,7 +671,7 @@
           <p:cNvPr id="5" name="页脚占位符 4">
             <a:extLst>
               <a:ext uri="{FF2B5EF4-FFF2-40B4-BE49-F238E27FC236}">
-                <a16:creationId xmlns:a16="http://schemas.microsoft.com/office/drawing/2014/main" id="{793BD305-B0D0-9955-CECD-B25EAB1585F0}"/>
+                <a16:creationId xmlns:a16="http://schemas.microsoft.com/office/drawing/2014/main" id="{C97AE931-A365-EA3D-C5ED-B8FFA0B2232D}"/>
               </a:ext>
             </a:extLst>
           </p:cNvPr>
@@ -696,7 +696,7 @@
           <p:cNvPr id="6" name="灯片编号占位符 5">
             <a:extLst>
               <a:ext uri="{FF2B5EF4-FFF2-40B4-BE49-F238E27FC236}">
-                <a16:creationId xmlns:a16="http://schemas.microsoft.com/office/drawing/2014/main" id="{F29A96DF-ECF6-1D5C-46F9-8696114B6552}"/>
+                <a16:creationId xmlns:a16="http://schemas.microsoft.com/office/drawing/2014/main" id="{4E086FFD-9FA7-A491-4715-EF8A6479201B}"/>
               </a:ext>
             </a:extLst>
           </p:cNvPr>
@@ -712,7 +712,7 @@
           <a:bodyPr/>
           <a:lstStyle/>
           <a:p>
-            <a:fld id="{89711403-0C19-4F97-82A2-CA5738AFF44D}" type="slidenum">
+            <a:fld id="{047CE682-8D25-429C-B32A-9EDF4CCA712E}" type="slidenum">
               <a:rPr lang="zh-CN" altLang="en-US" smtClean="0"/>
               <a:t>‹#›</a:t>
             </a:fld>
@@ -723,7 +723,7 @@
     </p:spTree>
     <p:extLst>
       <p:ext uri="{BB962C8B-B14F-4D97-AF65-F5344CB8AC3E}">
-        <p14:creationId xmlns:p14="http://schemas.microsoft.com/office/powerpoint/2010/main" val="3252033567"/>
+        <p14:creationId xmlns:p14="http://schemas.microsoft.com/office/powerpoint/2010/main" val="3233275639"/>
       </p:ext>
     </p:extLst>
   </p:cSld>
@@ -755,7 +755,7 @@
           <p:cNvPr id="2" name="标题 1">
             <a:extLst>
               <a:ext uri="{FF2B5EF4-FFF2-40B4-BE49-F238E27FC236}">
-                <a16:creationId xmlns:a16="http://schemas.microsoft.com/office/drawing/2014/main" id="{7877E703-3EA7-9C21-98A5-D69962261502}"/>
+                <a16:creationId xmlns:a16="http://schemas.microsoft.com/office/drawing/2014/main" id="{455285B5-A53C-8461-2478-BAA59ECB94E9}"/>
               </a:ext>
             </a:extLst>
           </p:cNvPr>
@@ -783,7 +783,7 @@
           <p:cNvPr id="3" name="内容占位符 2">
             <a:extLst>
               <a:ext uri="{FF2B5EF4-FFF2-40B4-BE49-F238E27FC236}">
-                <a16:creationId xmlns:a16="http://schemas.microsoft.com/office/drawing/2014/main" id="{96DB8304-D28F-0BAE-4CF4-58BB29F2159D}"/>
+                <a16:creationId xmlns:a16="http://schemas.microsoft.com/office/drawing/2014/main" id="{75DE57F1-5EC0-4397-275C-F9F67282760C}"/>
               </a:ext>
             </a:extLst>
           </p:cNvPr>
@@ -840,7 +840,7 @@
           <p:cNvPr id="4" name="日期占位符 3">
             <a:extLst>
               <a:ext uri="{FF2B5EF4-FFF2-40B4-BE49-F238E27FC236}">
-                <a16:creationId xmlns:a16="http://schemas.microsoft.com/office/drawing/2014/main" id="{AFC14229-4EBA-5B8E-5709-6E6060A5F2F1}"/>
+                <a16:creationId xmlns:a16="http://schemas.microsoft.com/office/drawing/2014/main" id="{AE05DBB3-0643-124A-0200-80CD77D62ECB}"/>
               </a:ext>
             </a:extLst>
           </p:cNvPr>
@@ -856,7 +856,7 @@
           <a:bodyPr/>
           <a:lstStyle/>
           <a:p>
-            <a:fld id="{173FADF5-E3A9-4E9D-9EE8-68C856E53538}" type="datetimeFigureOut">
+            <a:fld id="{A71190F3-E7D4-47E9-B84F-D845036CCAE6}" type="datetimeFigureOut">
               <a:rPr lang="zh-CN" altLang="en-US" smtClean="0"/>
               <a:t>2024/3/10</a:t>
             </a:fld>
@@ -869,7 +869,7 @@
           <p:cNvPr id="5" name="页脚占位符 4">
             <a:extLst>
               <a:ext uri="{FF2B5EF4-FFF2-40B4-BE49-F238E27FC236}">
-                <a16:creationId xmlns:a16="http://schemas.microsoft.com/office/drawing/2014/main" id="{F90C4A3A-277E-BD45-ED77-3744E643F559}"/>
+                <a16:creationId xmlns:a16="http://schemas.microsoft.com/office/drawing/2014/main" id="{A1A6602D-A743-99E5-251E-BFBEFAE749C4}"/>
               </a:ext>
             </a:extLst>
           </p:cNvPr>
@@ -894,7 +894,7 @@
           <p:cNvPr id="6" name="灯片编号占位符 5">
             <a:extLst>
               <a:ext uri="{FF2B5EF4-FFF2-40B4-BE49-F238E27FC236}">
-                <a16:creationId xmlns:a16="http://schemas.microsoft.com/office/drawing/2014/main" id="{0F83BC36-190B-6708-4A54-AC7905F6EB36}"/>
+                <a16:creationId xmlns:a16="http://schemas.microsoft.com/office/drawing/2014/main" id="{FC8B4166-EAF8-EA6A-200E-183BCBDFE894}"/>
               </a:ext>
             </a:extLst>
           </p:cNvPr>
@@ -910,7 +910,7 @@
           <a:bodyPr/>
           <a:lstStyle/>
           <a:p>
-            <a:fld id="{89711403-0C19-4F97-82A2-CA5738AFF44D}" type="slidenum">
+            <a:fld id="{047CE682-8D25-429C-B32A-9EDF4CCA712E}" type="slidenum">
               <a:rPr lang="zh-CN" altLang="en-US" smtClean="0"/>
               <a:t>‹#›</a:t>
             </a:fld>
@@ -921,7 +921,7 @@
     </p:spTree>
     <p:extLst>
       <p:ext uri="{BB962C8B-B14F-4D97-AF65-F5344CB8AC3E}">
-        <p14:creationId xmlns:p14="http://schemas.microsoft.com/office/powerpoint/2010/main" val="1215931961"/>
+        <p14:creationId xmlns:p14="http://schemas.microsoft.com/office/powerpoint/2010/main" val="1033552146"/>
       </p:ext>
     </p:extLst>
   </p:cSld>
@@ -953,7 +953,7 @@
           <p:cNvPr id="2" name="标题 1">
             <a:extLst>
               <a:ext uri="{FF2B5EF4-FFF2-40B4-BE49-F238E27FC236}">
-                <a16:creationId xmlns:a16="http://schemas.microsoft.com/office/drawing/2014/main" id="{85B44AC6-DD52-46FE-5F48-B5D61011E121}"/>
+                <a16:creationId xmlns:a16="http://schemas.microsoft.com/office/drawing/2014/main" id="{0E5BA666-AAB1-317F-1BE4-0200417F8315}"/>
               </a:ext>
             </a:extLst>
           </p:cNvPr>
@@ -990,7 +990,7 @@
           <p:cNvPr id="3" name="文本占位符 2">
             <a:extLst>
               <a:ext uri="{FF2B5EF4-FFF2-40B4-BE49-F238E27FC236}">
-                <a16:creationId xmlns:a16="http://schemas.microsoft.com/office/drawing/2014/main" id="{5B8449BC-547A-268A-5247-B28AF42D1EC1}"/>
+                <a16:creationId xmlns:a16="http://schemas.microsoft.com/office/drawing/2014/main" id="{D17FF04B-3161-7C36-A89F-9B6DF2908F3F}"/>
               </a:ext>
             </a:extLst>
           </p:cNvPr>
@@ -1115,7 +1115,7 @@
           <p:cNvPr id="4" name="日期占位符 3">
             <a:extLst>
               <a:ext uri="{FF2B5EF4-FFF2-40B4-BE49-F238E27FC236}">
-                <a16:creationId xmlns:a16="http://schemas.microsoft.com/office/drawing/2014/main" id="{21F17CB7-9E61-0BD5-8F78-D6285FBCA386}"/>
+                <a16:creationId xmlns:a16="http://schemas.microsoft.com/office/drawing/2014/main" id="{2706D3E0-0ED7-7876-E80D-83B3D7DFFBB9}"/>
               </a:ext>
             </a:extLst>
           </p:cNvPr>
@@ -1131,7 +1131,7 @@
           <a:bodyPr/>
           <a:lstStyle/>
           <a:p>
-            <a:fld id="{173FADF5-E3A9-4E9D-9EE8-68C856E53538}" type="datetimeFigureOut">
+            <a:fld id="{A71190F3-E7D4-47E9-B84F-D845036CCAE6}" type="datetimeFigureOut">
               <a:rPr lang="zh-CN" altLang="en-US" smtClean="0"/>
               <a:t>2024/3/10</a:t>
             </a:fld>
@@ -1144,7 +1144,7 @@
           <p:cNvPr id="5" name="页脚占位符 4">
             <a:extLst>
               <a:ext uri="{FF2B5EF4-FFF2-40B4-BE49-F238E27FC236}">
-                <a16:creationId xmlns:a16="http://schemas.microsoft.com/office/drawing/2014/main" id="{22CE9D50-D885-BF4B-C65A-7ABD8882DC7C}"/>
+                <a16:creationId xmlns:a16="http://schemas.microsoft.com/office/drawing/2014/main" id="{CB470BEB-7C47-F840-3512-F550701613B8}"/>
               </a:ext>
             </a:extLst>
           </p:cNvPr>
@@ -1169,7 +1169,7 @@
           <p:cNvPr id="6" name="灯片编号占位符 5">
             <a:extLst>
               <a:ext uri="{FF2B5EF4-FFF2-40B4-BE49-F238E27FC236}">
-                <a16:creationId xmlns:a16="http://schemas.microsoft.com/office/drawing/2014/main" id="{1EAAFD2F-2D54-CD0F-E8F1-7815F9751050}"/>
+                <a16:creationId xmlns:a16="http://schemas.microsoft.com/office/drawing/2014/main" id="{68336B6F-A622-63F7-A93C-0044B20E86F6}"/>
               </a:ext>
             </a:extLst>
           </p:cNvPr>
@@ -1185,7 +1185,7 @@
           <a:bodyPr/>
           <a:lstStyle/>
           <a:p>
-            <a:fld id="{89711403-0C19-4F97-82A2-CA5738AFF44D}" type="slidenum">
+            <a:fld id="{047CE682-8D25-429C-B32A-9EDF4CCA712E}" type="slidenum">
               <a:rPr lang="zh-CN" altLang="en-US" smtClean="0"/>
               <a:t>‹#›</a:t>
             </a:fld>
@@ -1196,7 +1196,7 @@
     </p:spTree>
     <p:extLst>
       <p:ext uri="{BB962C8B-B14F-4D97-AF65-F5344CB8AC3E}">
-        <p14:creationId xmlns:p14="http://schemas.microsoft.com/office/powerpoint/2010/main" val="2628003495"/>
+        <p14:creationId xmlns:p14="http://schemas.microsoft.com/office/powerpoint/2010/main" val="212068277"/>
       </p:ext>
     </p:extLst>
   </p:cSld>
@@ -1228,7 +1228,7 @@
           <p:cNvPr id="2" name="标题 1">
             <a:extLst>
               <a:ext uri="{FF2B5EF4-FFF2-40B4-BE49-F238E27FC236}">
-                <a16:creationId xmlns:a16="http://schemas.microsoft.com/office/drawing/2014/main" id="{85974805-DD53-F34F-07EB-E96BA08020E3}"/>
+                <a16:creationId xmlns:a16="http://schemas.microsoft.com/office/drawing/2014/main" id="{A342730C-3D92-1C0C-AB4C-408B82D0CD14}"/>
               </a:ext>
             </a:extLst>
           </p:cNvPr>
@@ -1256,7 +1256,7 @@
           <p:cNvPr id="3" name="内容占位符 2">
             <a:extLst>
               <a:ext uri="{FF2B5EF4-FFF2-40B4-BE49-F238E27FC236}">
-                <a16:creationId xmlns:a16="http://schemas.microsoft.com/office/drawing/2014/main" id="{98281D9D-2BB7-5728-D404-37E88A2C8ABE}"/>
+                <a16:creationId xmlns:a16="http://schemas.microsoft.com/office/drawing/2014/main" id="{77123C14-35C8-D733-2A9B-1EB9ACE786B4}"/>
               </a:ext>
             </a:extLst>
           </p:cNvPr>
@@ -1318,7 +1318,7 @@
           <p:cNvPr id="4" name="内容占位符 3">
             <a:extLst>
               <a:ext uri="{FF2B5EF4-FFF2-40B4-BE49-F238E27FC236}">
-                <a16:creationId xmlns:a16="http://schemas.microsoft.com/office/drawing/2014/main" id="{C838830B-CF6C-6742-6C91-A8B2FE47CF9F}"/>
+                <a16:creationId xmlns:a16="http://schemas.microsoft.com/office/drawing/2014/main" id="{29E9D4FB-FE2A-F99F-7A01-B5427F263D17}"/>
               </a:ext>
             </a:extLst>
           </p:cNvPr>
@@ -1380,7 +1380,7 @@
           <p:cNvPr id="5" name="日期占位符 4">
             <a:extLst>
               <a:ext uri="{FF2B5EF4-FFF2-40B4-BE49-F238E27FC236}">
-                <a16:creationId xmlns:a16="http://schemas.microsoft.com/office/drawing/2014/main" id="{653A76D4-CE48-B2E5-3694-F85318244BF7}"/>
+                <a16:creationId xmlns:a16="http://schemas.microsoft.com/office/drawing/2014/main" id="{953CBC5F-E772-E978-1853-8DF49205C5BE}"/>
               </a:ext>
             </a:extLst>
           </p:cNvPr>
@@ -1396,7 +1396,7 @@
           <a:bodyPr/>
           <a:lstStyle/>
           <a:p>
-            <a:fld id="{173FADF5-E3A9-4E9D-9EE8-68C856E53538}" type="datetimeFigureOut">
+            <a:fld id="{A71190F3-E7D4-47E9-B84F-D845036CCAE6}" type="datetimeFigureOut">
               <a:rPr lang="zh-CN" altLang="en-US" smtClean="0"/>
               <a:t>2024/3/10</a:t>
             </a:fld>
@@ -1409,7 +1409,7 @@
           <p:cNvPr id="6" name="页脚占位符 5">
             <a:extLst>
               <a:ext uri="{FF2B5EF4-FFF2-40B4-BE49-F238E27FC236}">
-                <a16:creationId xmlns:a16="http://schemas.microsoft.com/office/drawing/2014/main" id="{DBD614AF-5B28-655D-CBE1-B21B31E28E00}"/>
+                <a16:creationId xmlns:a16="http://schemas.microsoft.com/office/drawing/2014/main" id="{9DDFDC60-ECC1-E319-0696-8BDF31D2339F}"/>
               </a:ext>
             </a:extLst>
           </p:cNvPr>
@@ -1434,7 +1434,7 @@
           <p:cNvPr id="7" name="灯片编号占位符 6">
             <a:extLst>
               <a:ext uri="{FF2B5EF4-FFF2-40B4-BE49-F238E27FC236}">
-                <a16:creationId xmlns:a16="http://schemas.microsoft.com/office/drawing/2014/main" id="{3B11A64E-965C-FBEA-C2AC-DC6E17184ED5}"/>
+                <a16:creationId xmlns:a16="http://schemas.microsoft.com/office/drawing/2014/main" id="{27FFEC56-4F66-C5A5-3B6D-A8B134E5BBC8}"/>
               </a:ext>
             </a:extLst>
           </p:cNvPr>
@@ -1450,7 +1450,7 @@
           <a:bodyPr/>
           <a:lstStyle/>
           <a:p>
-            <a:fld id="{89711403-0C19-4F97-82A2-CA5738AFF44D}" type="slidenum">
+            <a:fld id="{047CE682-8D25-429C-B32A-9EDF4CCA712E}" type="slidenum">
               <a:rPr lang="zh-CN" altLang="en-US" smtClean="0"/>
               <a:t>‹#›</a:t>
             </a:fld>
@@ -1461,7 +1461,7 @@
     </p:spTree>
     <p:extLst>
       <p:ext uri="{BB962C8B-B14F-4D97-AF65-F5344CB8AC3E}">
-        <p14:creationId xmlns:p14="http://schemas.microsoft.com/office/powerpoint/2010/main" val="1645575133"/>
+        <p14:creationId xmlns:p14="http://schemas.microsoft.com/office/powerpoint/2010/main" val="437305137"/>
       </p:ext>
     </p:extLst>
   </p:cSld>
@@ -1493,7 +1493,7 @@
           <p:cNvPr id="2" name="标题 1">
             <a:extLst>
               <a:ext uri="{FF2B5EF4-FFF2-40B4-BE49-F238E27FC236}">
-                <a16:creationId xmlns:a16="http://schemas.microsoft.com/office/drawing/2014/main" id="{5C5195D8-74E5-F8A7-4F16-ADA3121E43A8}"/>
+                <a16:creationId xmlns:a16="http://schemas.microsoft.com/office/drawing/2014/main" id="{B8EAE913-D0EC-08B2-1892-B7287704A60A}"/>
               </a:ext>
             </a:extLst>
           </p:cNvPr>
@@ -1526,7 +1526,7 @@
           <p:cNvPr id="3" name="文本占位符 2">
             <a:extLst>
               <a:ext uri="{FF2B5EF4-FFF2-40B4-BE49-F238E27FC236}">
-                <a16:creationId xmlns:a16="http://schemas.microsoft.com/office/drawing/2014/main" id="{A345EE71-D8A7-655C-09E5-F08D830B664B}"/>
+                <a16:creationId xmlns:a16="http://schemas.microsoft.com/office/drawing/2014/main" id="{BCD82C26-1476-3C4F-A819-DABCE8EBF456}"/>
               </a:ext>
             </a:extLst>
           </p:cNvPr>
@@ -1597,7 +1597,7 @@
           <p:cNvPr id="4" name="内容占位符 3">
             <a:extLst>
               <a:ext uri="{FF2B5EF4-FFF2-40B4-BE49-F238E27FC236}">
-                <a16:creationId xmlns:a16="http://schemas.microsoft.com/office/drawing/2014/main" id="{48620C86-04A0-DF73-3FF4-0182A1D1FE79}"/>
+                <a16:creationId xmlns:a16="http://schemas.microsoft.com/office/drawing/2014/main" id="{DC4755C0-4448-53B0-F8EF-989F1398DCCE}"/>
               </a:ext>
             </a:extLst>
           </p:cNvPr>
@@ -1659,7 +1659,7 @@
           <p:cNvPr id="5" name="文本占位符 4">
             <a:extLst>
               <a:ext uri="{FF2B5EF4-FFF2-40B4-BE49-F238E27FC236}">
-                <a16:creationId xmlns:a16="http://schemas.microsoft.com/office/drawing/2014/main" id="{A94D69BE-C892-6FD7-7D0F-A365383DB40F}"/>
+                <a16:creationId xmlns:a16="http://schemas.microsoft.com/office/drawing/2014/main" id="{CF64778B-7700-1DEE-0CA9-473E7C447096}"/>
               </a:ext>
             </a:extLst>
           </p:cNvPr>
@@ -1730,7 +1730,7 @@
           <p:cNvPr id="6" name="内容占位符 5">
             <a:extLst>
               <a:ext uri="{FF2B5EF4-FFF2-40B4-BE49-F238E27FC236}">
-                <a16:creationId xmlns:a16="http://schemas.microsoft.com/office/drawing/2014/main" id="{EBBB5A81-5725-679C-0D04-0C1B822F508E}"/>
+                <a16:creationId xmlns:a16="http://schemas.microsoft.com/office/drawing/2014/main" id="{D4697C53-6A60-E3B8-4339-330902C84456}"/>
               </a:ext>
             </a:extLst>
           </p:cNvPr>
@@ -1792,7 +1792,7 @@
           <p:cNvPr id="7" name="日期占位符 6">
             <a:extLst>
               <a:ext uri="{FF2B5EF4-FFF2-40B4-BE49-F238E27FC236}">
-                <a16:creationId xmlns:a16="http://schemas.microsoft.com/office/drawing/2014/main" id="{22B7AD23-BFDA-E076-3D74-370F99660CA7}"/>
+                <a16:creationId xmlns:a16="http://schemas.microsoft.com/office/drawing/2014/main" id="{20D275F9-AFF0-E852-6B15-4B61DDC9D89E}"/>
               </a:ext>
             </a:extLst>
           </p:cNvPr>
@@ -1808,7 +1808,7 @@
           <a:bodyPr/>
           <a:lstStyle/>
           <a:p>
-            <a:fld id="{173FADF5-E3A9-4E9D-9EE8-68C856E53538}" type="datetimeFigureOut">
+            <a:fld id="{A71190F3-E7D4-47E9-B84F-D845036CCAE6}" type="datetimeFigureOut">
               <a:rPr lang="zh-CN" altLang="en-US" smtClean="0"/>
               <a:t>2024/3/10</a:t>
             </a:fld>
@@ -1821,7 +1821,7 @@
           <p:cNvPr id="8" name="页脚占位符 7">
             <a:extLst>
               <a:ext uri="{FF2B5EF4-FFF2-40B4-BE49-F238E27FC236}">
-                <a16:creationId xmlns:a16="http://schemas.microsoft.com/office/drawing/2014/main" id="{1FF05ECA-5AE6-53AF-A020-C59B78D5A7B4}"/>
+                <a16:creationId xmlns:a16="http://schemas.microsoft.com/office/drawing/2014/main" id="{D913FD54-4F56-C196-64B4-7209B68DA0B9}"/>
               </a:ext>
             </a:extLst>
           </p:cNvPr>
@@ -1846,7 +1846,7 @@
           <p:cNvPr id="9" name="灯片编号占位符 8">
             <a:extLst>
               <a:ext uri="{FF2B5EF4-FFF2-40B4-BE49-F238E27FC236}">
-                <a16:creationId xmlns:a16="http://schemas.microsoft.com/office/drawing/2014/main" id="{F40C1BAB-EF35-7E4E-0149-8E20EABE75A3}"/>
+                <a16:creationId xmlns:a16="http://schemas.microsoft.com/office/drawing/2014/main" id="{A6095D9C-B20C-A636-35BC-D6D40E6CC59C}"/>
               </a:ext>
             </a:extLst>
           </p:cNvPr>
@@ -1862,7 +1862,7 @@
           <a:bodyPr/>
           <a:lstStyle/>
           <a:p>
-            <a:fld id="{89711403-0C19-4F97-82A2-CA5738AFF44D}" type="slidenum">
+            <a:fld id="{047CE682-8D25-429C-B32A-9EDF4CCA712E}" type="slidenum">
               <a:rPr lang="zh-CN" altLang="en-US" smtClean="0"/>
               <a:t>‹#›</a:t>
             </a:fld>
@@ -1873,7 +1873,7 @@
     </p:spTree>
     <p:extLst>
       <p:ext uri="{BB962C8B-B14F-4D97-AF65-F5344CB8AC3E}">
-        <p14:creationId xmlns:p14="http://schemas.microsoft.com/office/powerpoint/2010/main" val="1167470084"/>
+        <p14:creationId xmlns:p14="http://schemas.microsoft.com/office/powerpoint/2010/main" val="1290862998"/>
       </p:ext>
     </p:extLst>
   </p:cSld>
@@ -1905,7 +1905,7 @@
           <p:cNvPr id="2" name="标题 1">
             <a:extLst>
               <a:ext uri="{FF2B5EF4-FFF2-40B4-BE49-F238E27FC236}">
-                <a16:creationId xmlns:a16="http://schemas.microsoft.com/office/drawing/2014/main" id="{F6DBAFD7-AB8D-E8BF-8650-F4168AEEB17F}"/>
+                <a16:creationId xmlns:a16="http://schemas.microsoft.com/office/drawing/2014/main" id="{18F29099-02B3-12C0-9986-8502FD99A8C3}"/>
               </a:ext>
             </a:extLst>
           </p:cNvPr>
@@ -1933,7 +1933,7 @@
           <p:cNvPr id="3" name="日期占位符 2">
             <a:extLst>
               <a:ext uri="{FF2B5EF4-FFF2-40B4-BE49-F238E27FC236}">
-                <a16:creationId xmlns:a16="http://schemas.microsoft.com/office/drawing/2014/main" id="{5767376C-A677-F126-CB36-F207177CCEEA}"/>
+                <a16:creationId xmlns:a16="http://schemas.microsoft.com/office/drawing/2014/main" id="{5159816D-319C-7FDE-CD17-CC09E245222E}"/>
               </a:ext>
             </a:extLst>
           </p:cNvPr>
@@ -1949,7 +1949,7 @@
           <a:bodyPr/>
           <a:lstStyle/>
           <a:p>
-            <a:fld id="{173FADF5-E3A9-4E9D-9EE8-68C856E53538}" type="datetimeFigureOut">
+            <a:fld id="{A71190F3-E7D4-47E9-B84F-D845036CCAE6}" type="datetimeFigureOut">
               <a:rPr lang="zh-CN" altLang="en-US" smtClean="0"/>
               <a:t>2024/3/10</a:t>
             </a:fld>
@@ -1962,7 +1962,7 @@
           <p:cNvPr id="4" name="页脚占位符 3">
             <a:extLst>
               <a:ext uri="{FF2B5EF4-FFF2-40B4-BE49-F238E27FC236}">
-                <a16:creationId xmlns:a16="http://schemas.microsoft.com/office/drawing/2014/main" id="{99FFDCFF-9CB2-FCB1-6439-D6773193FCFF}"/>
+                <a16:creationId xmlns:a16="http://schemas.microsoft.com/office/drawing/2014/main" id="{60BAAFDB-1FE9-A68D-006F-21AFCA04091E}"/>
               </a:ext>
             </a:extLst>
           </p:cNvPr>
@@ -1987,7 +1987,7 @@
           <p:cNvPr id="5" name="灯片编号占位符 4">
             <a:extLst>
               <a:ext uri="{FF2B5EF4-FFF2-40B4-BE49-F238E27FC236}">
-                <a16:creationId xmlns:a16="http://schemas.microsoft.com/office/drawing/2014/main" id="{E81E29A7-64D8-5746-F8B6-E8A1B9FE38D6}"/>
+                <a16:creationId xmlns:a16="http://schemas.microsoft.com/office/drawing/2014/main" id="{3DA58DD9-3177-DA28-0115-2AEFC6997CF6}"/>
               </a:ext>
             </a:extLst>
           </p:cNvPr>
@@ -2003,7 +2003,7 @@
           <a:bodyPr/>
           <a:lstStyle/>
           <a:p>
-            <a:fld id="{89711403-0C19-4F97-82A2-CA5738AFF44D}" type="slidenum">
+            <a:fld id="{047CE682-8D25-429C-B32A-9EDF4CCA712E}" type="slidenum">
               <a:rPr lang="zh-CN" altLang="en-US" smtClean="0"/>
               <a:t>‹#›</a:t>
             </a:fld>
@@ -2014,7 +2014,7 @@
     </p:spTree>
     <p:extLst>
       <p:ext uri="{BB962C8B-B14F-4D97-AF65-F5344CB8AC3E}">
-        <p14:creationId xmlns:p14="http://schemas.microsoft.com/office/powerpoint/2010/main" val="953709789"/>
+        <p14:creationId xmlns:p14="http://schemas.microsoft.com/office/powerpoint/2010/main" val="1767925442"/>
       </p:ext>
     </p:extLst>
   </p:cSld>
@@ -2046,7 +2046,7 @@
           <p:cNvPr id="2" name="日期占位符 1">
             <a:extLst>
               <a:ext uri="{FF2B5EF4-FFF2-40B4-BE49-F238E27FC236}">
-                <a16:creationId xmlns:a16="http://schemas.microsoft.com/office/drawing/2014/main" id="{49E0F916-528D-C118-E17C-65FF0E112E8E}"/>
+                <a16:creationId xmlns:a16="http://schemas.microsoft.com/office/drawing/2014/main" id="{1553FDCC-8EDF-FD71-FA24-78709D349F01}"/>
               </a:ext>
             </a:extLst>
           </p:cNvPr>
@@ -2062,7 +2062,7 @@
           <a:bodyPr/>
           <a:lstStyle/>
           <a:p>
-            <a:fld id="{173FADF5-E3A9-4E9D-9EE8-68C856E53538}" type="datetimeFigureOut">
+            <a:fld id="{A71190F3-E7D4-47E9-B84F-D845036CCAE6}" type="datetimeFigureOut">
               <a:rPr lang="zh-CN" altLang="en-US" smtClean="0"/>
               <a:t>2024/3/10</a:t>
             </a:fld>
@@ -2075,7 +2075,7 @@
           <p:cNvPr id="3" name="页脚占位符 2">
             <a:extLst>
               <a:ext uri="{FF2B5EF4-FFF2-40B4-BE49-F238E27FC236}">
-                <a16:creationId xmlns:a16="http://schemas.microsoft.com/office/drawing/2014/main" id="{568AD543-E6F4-939A-9C9E-113830DF3270}"/>
+                <a16:creationId xmlns:a16="http://schemas.microsoft.com/office/drawing/2014/main" id="{9D985AFD-95F2-CE98-33B7-6340E1AAE26D}"/>
               </a:ext>
             </a:extLst>
           </p:cNvPr>
@@ -2100,7 +2100,7 @@
           <p:cNvPr id="4" name="灯片编号占位符 3">
             <a:extLst>
               <a:ext uri="{FF2B5EF4-FFF2-40B4-BE49-F238E27FC236}">
-                <a16:creationId xmlns:a16="http://schemas.microsoft.com/office/drawing/2014/main" id="{CDE09E61-DF80-5D04-D9C9-D0A972D5F725}"/>
+                <a16:creationId xmlns:a16="http://schemas.microsoft.com/office/drawing/2014/main" id="{29A825A7-8184-2510-B236-A56FE3410604}"/>
               </a:ext>
             </a:extLst>
           </p:cNvPr>
@@ -2116,7 +2116,7 @@
           <a:bodyPr/>
           <a:lstStyle/>
           <a:p>
-            <a:fld id="{89711403-0C19-4F97-82A2-CA5738AFF44D}" type="slidenum">
+            <a:fld id="{047CE682-8D25-429C-B32A-9EDF4CCA712E}" type="slidenum">
               <a:rPr lang="zh-CN" altLang="en-US" smtClean="0"/>
               <a:t>‹#›</a:t>
             </a:fld>
@@ -2127,7 +2127,7 @@
     </p:spTree>
     <p:extLst>
       <p:ext uri="{BB962C8B-B14F-4D97-AF65-F5344CB8AC3E}">
-        <p14:creationId xmlns:p14="http://schemas.microsoft.com/office/powerpoint/2010/main" val="1243332226"/>
+        <p14:creationId xmlns:p14="http://schemas.microsoft.com/office/powerpoint/2010/main" val="3156451042"/>
       </p:ext>
     </p:extLst>
   </p:cSld>
@@ -2159,7 +2159,7 @@
           <p:cNvPr id="2" name="标题 1">
             <a:extLst>
               <a:ext uri="{FF2B5EF4-FFF2-40B4-BE49-F238E27FC236}">
-                <a16:creationId xmlns:a16="http://schemas.microsoft.com/office/drawing/2014/main" id="{03F2EEA6-5E7E-84CE-4E68-9BF91CC77149}"/>
+                <a16:creationId xmlns:a16="http://schemas.microsoft.com/office/drawing/2014/main" id="{931CFAAD-EF2C-D446-2497-5DBB4407776B}"/>
               </a:ext>
             </a:extLst>
           </p:cNvPr>
@@ -2196,7 +2196,7 @@
           <p:cNvPr id="3" name="内容占位符 2">
             <a:extLst>
               <a:ext uri="{FF2B5EF4-FFF2-40B4-BE49-F238E27FC236}">
-                <a16:creationId xmlns:a16="http://schemas.microsoft.com/office/drawing/2014/main" id="{B59FDEEA-CFD5-2713-18CC-26EC61710399}"/>
+                <a16:creationId xmlns:a16="http://schemas.microsoft.com/office/drawing/2014/main" id="{AC8D6916-E242-2D75-426F-A0D3AC29B718}"/>
               </a:ext>
             </a:extLst>
           </p:cNvPr>
@@ -2286,7 +2286,7 @@
           <p:cNvPr id="4" name="文本占位符 3">
             <a:extLst>
               <a:ext uri="{FF2B5EF4-FFF2-40B4-BE49-F238E27FC236}">
-                <a16:creationId xmlns:a16="http://schemas.microsoft.com/office/drawing/2014/main" id="{FE39AFEE-B265-11E9-63B4-BF06335861B0}"/>
+                <a16:creationId xmlns:a16="http://schemas.microsoft.com/office/drawing/2014/main" id="{421A9EC9-90FC-34B0-91D9-B9E6BDDFA325}"/>
               </a:ext>
             </a:extLst>
           </p:cNvPr>
@@ -2357,7 +2357,7 @@
           <p:cNvPr id="5" name="日期占位符 4">
             <a:extLst>
               <a:ext uri="{FF2B5EF4-FFF2-40B4-BE49-F238E27FC236}">
-                <a16:creationId xmlns:a16="http://schemas.microsoft.com/office/drawing/2014/main" id="{8458B53D-726A-C46A-A4F5-DB43876D32F0}"/>
+                <a16:creationId xmlns:a16="http://schemas.microsoft.com/office/drawing/2014/main" id="{28C2ED94-6238-116B-54A5-2808CE115B3F}"/>
               </a:ext>
             </a:extLst>
           </p:cNvPr>
@@ -2373,7 +2373,7 @@
           <a:bodyPr/>
           <a:lstStyle/>
           <a:p>
-            <a:fld id="{173FADF5-E3A9-4E9D-9EE8-68C856E53538}" type="datetimeFigureOut">
+            <a:fld id="{A71190F3-E7D4-47E9-B84F-D845036CCAE6}" type="datetimeFigureOut">
               <a:rPr lang="zh-CN" altLang="en-US" smtClean="0"/>
               <a:t>2024/3/10</a:t>
             </a:fld>
@@ -2386,7 +2386,7 @@
           <p:cNvPr id="6" name="页脚占位符 5">
             <a:extLst>
               <a:ext uri="{FF2B5EF4-FFF2-40B4-BE49-F238E27FC236}">
-                <a16:creationId xmlns:a16="http://schemas.microsoft.com/office/drawing/2014/main" id="{9E1B819F-E7FD-7039-B1BD-491D54396213}"/>
+                <a16:creationId xmlns:a16="http://schemas.microsoft.com/office/drawing/2014/main" id="{885FF30F-CE91-63F6-ECAA-2707B2224420}"/>
               </a:ext>
             </a:extLst>
           </p:cNvPr>
@@ -2411,7 +2411,7 @@
           <p:cNvPr id="7" name="灯片编号占位符 6">
             <a:extLst>
               <a:ext uri="{FF2B5EF4-FFF2-40B4-BE49-F238E27FC236}">
-                <a16:creationId xmlns:a16="http://schemas.microsoft.com/office/drawing/2014/main" id="{16FCBEBA-76D8-AB8F-8693-198B7A33610A}"/>
+                <a16:creationId xmlns:a16="http://schemas.microsoft.com/office/drawing/2014/main" id="{21BD1480-7F7C-ABC7-F782-84EDA3353B15}"/>
               </a:ext>
             </a:extLst>
           </p:cNvPr>
@@ -2427,7 +2427,7 @@
           <a:bodyPr/>
           <a:lstStyle/>
           <a:p>
-            <a:fld id="{89711403-0C19-4F97-82A2-CA5738AFF44D}" type="slidenum">
+            <a:fld id="{047CE682-8D25-429C-B32A-9EDF4CCA712E}" type="slidenum">
               <a:rPr lang="zh-CN" altLang="en-US" smtClean="0"/>
               <a:t>‹#›</a:t>
             </a:fld>
@@ -2438,7 +2438,7 @@
     </p:spTree>
     <p:extLst>
       <p:ext uri="{BB962C8B-B14F-4D97-AF65-F5344CB8AC3E}">
-        <p14:creationId xmlns:p14="http://schemas.microsoft.com/office/powerpoint/2010/main" val="640304849"/>
+        <p14:creationId xmlns:p14="http://schemas.microsoft.com/office/powerpoint/2010/main" val="2665573370"/>
       </p:ext>
     </p:extLst>
   </p:cSld>
@@ -2470,7 +2470,7 @@
           <p:cNvPr id="2" name="标题 1">
             <a:extLst>
               <a:ext uri="{FF2B5EF4-FFF2-40B4-BE49-F238E27FC236}">
-                <a16:creationId xmlns:a16="http://schemas.microsoft.com/office/drawing/2014/main" id="{69BEC7DB-D8ED-CFC7-7248-C2B432DBE642}"/>
+                <a16:creationId xmlns:a16="http://schemas.microsoft.com/office/drawing/2014/main" id="{3C96D132-74EB-F497-6F51-E5517C77C632}"/>
               </a:ext>
             </a:extLst>
           </p:cNvPr>
@@ -2507,7 +2507,7 @@
           <p:cNvPr id="3" name="图片占位符 2">
             <a:extLst>
               <a:ext uri="{FF2B5EF4-FFF2-40B4-BE49-F238E27FC236}">
-                <a16:creationId xmlns:a16="http://schemas.microsoft.com/office/drawing/2014/main" id="{764F864F-B9B3-732F-FCAF-C609A5817D42}"/>
+                <a16:creationId xmlns:a16="http://schemas.microsoft.com/office/drawing/2014/main" id="{8C74BBA6-D4AE-2C89-BDC8-9238C3EB133A}"/>
               </a:ext>
             </a:extLst>
           </p:cNvPr>
@@ -2574,7 +2574,7 @@
           <p:cNvPr id="4" name="文本占位符 3">
             <a:extLst>
               <a:ext uri="{FF2B5EF4-FFF2-40B4-BE49-F238E27FC236}">
-                <a16:creationId xmlns:a16="http://schemas.microsoft.com/office/drawing/2014/main" id="{A4E0B9D5-8D42-4EFC-F789-F4BE747B1432}"/>
+                <a16:creationId xmlns:a16="http://schemas.microsoft.com/office/drawing/2014/main" id="{E17D8E9D-5B0B-BDE7-4859-B34AF86395BF}"/>
               </a:ext>
             </a:extLst>
           </p:cNvPr>
@@ -2645,7 +2645,7 @@
           <p:cNvPr id="5" name="日期占位符 4">
             <a:extLst>
               <a:ext uri="{FF2B5EF4-FFF2-40B4-BE49-F238E27FC236}">
-                <a16:creationId xmlns:a16="http://schemas.microsoft.com/office/drawing/2014/main" id="{ACA47B6D-10BB-30E5-0EF4-12E3AD6C4397}"/>
+                <a16:creationId xmlns:a16="http://schemas.microsoft.com/office/drawing/2014/main" id="{87F5BD14-09EB-31D2-8268-E2C459D5D0BB}"/>
               </a:ext>
             </a:extLst>
           </p:cNvPr>
@@ -2661,7 +2661,7 @@
           <a:bodyPr/>
           <a:lstStyle/>
           <a:p>
-            <a:fld id="{173FADF5-E3A9-4E9D-9EE8-68C856E53538}" type="datetimeFigureOut">
+            <a:fld id="{A71190F3-E7D4-47E9-B84F-D845036CCAE6}" type="datetimeFigureOut">
               <a:rPr lang="zh-CN" altLang="en-US" smtClean="0"/>
               <a:t>2024/3/10</a:t>
             </a:fld>
@@ -2674,7 +2674,7 @@
           <p:cNvPr id="6" name="页脚占位符 5">
             <a:extLst>
               <a:ext uri="{FF2B5EF4-FFF2-40B4-BE49-F238E27FC236}">
-                <a16:creationId xmlns:a16="http://schemas.microsoft.com/office/drawing/2014/main" id="{508BF277-0BB1-D70D-E089-A026B24D7F2E}"/>
+                <a16:creationId xmlns:a16="http://schemas.microsoft.com/office/drawing/2014/main" id="{E90D09A6-3539-0649-2E0E-6FF9100C3755}"/>
               </a:ext>
             </a:extLst>
           </p:cNvPr>
@@ -2699,7 +2699,7 @@
           <p:cNvPr id="7" name="灯片编号占位符 6">
             <a:extLst>
               <a:ext uri="{FF2B5EF4-FFF2-40B4-BE49-F238E27FC236}">
-                <a16:creationId xmlns:a16="http://schemas.microsoft.com/office/drawing/2014/main" id="{178C35D6-1950-A87F-CEF8-A872A8D7D3B2}"/>
+                <a16:creationId xmlns:a16="http://schemas.microsoft.com/office/drawing/2014/main" id="{761711C0-DB05-1149-3AE6-A9E7ADCC3451}"/>
               </a:ext>
             </a:extLst>
           </p:cNvPr>
@@ -2715,7 +2715,7 @@
           <a:bodyPr/>
           <a:lstStyle/>
           <a:p>
-            <a:fld id="{89711403-0C19-4F97-82A2-CA5738AFF44D}" type="slidenum">
+            <a:fld id="{047CE682-8D25-429C-B32A-9EDF4CCA712E}" type="slidenum">
               <a:rPr lang="zh-CN" altLang="en-US" smtClean="0"/>
               <a:t>‹#›</a:t>
             </a:fld>
@@ -2726,7 +2726,7 @@
     </p:spTree>
     <p:extLst>
       <p:ext uri="{BB962C8B-B14F-4D97-AF65-F5344CB8AC3E}">
-        <p14:creationId xmlns:p14="http://schemas.microsoft.com/office/powerpoint/2010/main" val="512197177"/>
+        <p14:creationId xmlns:p14="http://schemas.microsoft.com/office/powerpoint/2010/main" val="1096463171"/>
       </p:ext>
     </p:extLst>
   </p:cSld>
@@ -2763,7 +2763,7 @@
           <p:cNvPr id="2" name="标题占位符 1">
             <a:extLst>
               <a:ext uri="{FF2B5EF4-FFF2-40B4-BE49-F238E27FC236}">
-                <a16:creationId xmlns:a16="http://schemas.microsoft.com/office/drawing/2014/main" id="{09786D5A-D1BC-997D-F014-EC656E56820C}"/>
+                <a16:creationId xmlns:a16="http://schemas.microsoft.com/office/drawing/2014/main" id="{38B2F519-9EFB-8869-2F1F-28FD8A80CE35}"/>
               </a:ext>
             </a:extLst>
           </p:cNvPr>
@@ -2801,7 +2801,7 @@
           <p:cNvPr id="3" name="文本占位符 2">
             <a:extLst>
               <a:ext uri="{FF2B5EF4-FFF2-40B4-BE49-F238E27FC236}">
-                <a16:creationId xmlns:a16="http://schemas.microsoft.com/office/drawing/2014/main" id="{82A70423-1BDD-150C-49F0-446656E191CF}"/>
+                <a16:creationId xmlns:a16="http://schemas.microsoft.com/office/drawing/2014/main" id="{1C036F22-F2D1-20E8-DB0B-B3E719AB5663}"/>
               </a:ext>
             </a:extLst>
           </p:cNvPr>
@@ -2868,7 +2868,7 @@
           <p:cNvPr id="4" name="日期占位符 3">
             <a:extLst>
               <a:ext uri="{FF2B5EF4-FFF2-40B4-BE49-F238E27FC236}">
-                <a16:creationId xmlns:a16="http://schemas.microsoft.com/office/drawing/2014/main" id="{3AD8CF0B-57B0-FFB4-E7A5-8C4DF955F43A}"/>
+                <a16:creationId xmlns:a16="http://schemas.microsoft.com/office/drawing/2014/main" id="{A9F972A5-FBF1-1975-0568-FE018335DE80}"/>
               </a:ext>
             </a:extLst>
           </p:cNvPr>
@@ -2902,7 +2902,7 @@
             </a:lvl1pPr>
           </a:lstStyle>
           <a:p>
-            <a:fld id="{173FADF5-E3A9-4E9D-9EE8-68C856E53538}" type="datetimeFigureOut">
+            <a:fld id="{A71190F3-E7D4-47E9-B84F-D845036CCAE6}" type="datetimeFigureOut">
               <a:rPr lang="zh-CN" altLang="en-US" smtClean="0"/>
               <a:t>2024/3/10</a:t>
             </a:fld>
@@ -2915,7 +2915,7 @@
           <p:cNvPr id="5" name="页脚占位符 4">
             <a:extLst>
               <a:ext uri="{FF2B5EF4-FFF2-40B4-BE49-F238E27FC236}">
-                <a16:creationId xmlns:a16="http://schemas.microsoft.com/office/drawing/2014/main" id="{CD392085-EABC-2D32-578E-843BB1D84A3F}"/>
+                <a16:creationId xmlns:a16="http://schemas.microsoft.com/office/drawing/2014/main" id="{C3AC1F18-B3AA-8D9F-F6A7-125F9BA14883}"/>
               </a:ext>
             </a:extLst>
           </p:cNvPr>
@@ -2958,7 +2958,7 @@
           <p:cNvPr id="6" name="灯片编号占位符 5">
             <a:extLst>
               <a:ext uri="{FF2B5EF4-FFF2-40B4-BE49-F238E27FC236}">
-                <a16:creationId xmlns:a16="http://schemas.microsoft.com/office/drawing/2014/main" id="{784CC5C2-C9A6-7965-9E7A-D910659CDE02}"/>
+                <a16:creationId xmlns:a16="http://schemas.microsoft.com/office/drawing/2014/main" id="{D7051E9E-4EED-BF18-2D59-16AA750E1C72}"/>
               </a:ext>
             </a:extLst>
           </p:cNvPr>
@@ -2992,7 +2992,7 @@
             </a:lvl1pPr>
           </a:lstStyle>
           <a:p>
-            <a:fld id="{89711403-0C19-4F97-82A2-CA5738AFF44D}" type="slidenum">
+            <a:fld id="{047CE682-8D25-429C-B32A-9EDF4CCA712E}" type="slidenum">
               <a:rPr lang="zh-CN" altLang="en-US" smtClean="0"/>
               <a:t>‹#›</a:t>
             </a:fld>
@@ -3003,7 +3003,7 @@
     </p:spTree>
     <p:extLst>
       <p:ext uri="{BB962C8B-B14F-4D97-AF65-F5344CB8AC3E}">
-        <p14:creationId xmlns:p14="http://schemas.microsoft.com/office/powerpoint/2010/main" val="883129173"/>
+        <p14:creationId xmlns:p14="http://schemas.microsoft.com/office/powerpoint/2010/main" val="2446816294"/>
       </p:ext>
     </p:extLst>
   </p:cSld>
@@ -3323,7 +3323,7 @@
       </p:grpSpPr>
       <p:pic>
         <p:nvPicPr>
-          <p:cNvPr id="871426" name="Picture 2" descr="850"/>
+          <p:cNvPr id="872450" name="Picture 2" descr="851"/>
           <p:cNvPicPr>
             <a:picLocks noChangeAspect="1" noChangeArrowheads="1"/>
           </p:cNvPicPr>
@@ -3344,8 +3344,8 @@
         </p:blipFill>
         <p:spPr bwMode="auto">
           <a:xfrm>
-            <a:off x="1543050" y="1"/>
-            <a:ext cx="9124950" cy="6843713"/>
+            <a:off x="1524001" y="1"/>
+            <a:ext cx="8964613" cy="6723063"/>
           </a:xfrm>
           <a:prstGeom prst="rect">
             <a:avLst/>
@@ -3375,11 +3375,158 @@
           </a:extLst>
         </p:spPr>
       </p:pic>
+      <p:pic>
+        <p:nvPicPr>
+          <p:cNvPr id="873475" name="Picture 3" descr="851-2"/>
+          <p:cNvPicPr>
+            <a:picLocks noChangeAspect="1" noChangeArrowheads="1"/>
+          </p:cNvPicPr>
+          <p:nvPr/>
+        </p:nvPicPr>
+        <p:blipFill>
+          <a:blip r:embed="rId3">
+            <a:extLst>
+              <a:ext uri="{28A0092B-C50C-407E-A947-70E740481C1C}">
+                <a14:useLocalDpi xmlns:a14="http://schemas.microsoft.com/office/drawing/2010/main" val="0"/>
+              </a:ext>
+            </a:extLst>
+          </a:blip>
+          <a:srcRect/>
+          <a:stretch>
+            <a:fillRect/>
+          </a:stretch>
+        </p:blipFill>
+        <p:spPr bwMode="auto">
+          <a:xfrm>
+            <a:off x="1524000" y="1"/>
+            <a:ext cx="9124950" cy="6843713"/>
+          </a:xfrm>
+          <a:prstGeom prst="rect">
+            <a:avLst/>
+          </a:prstGeom>
+          <a:noFill/>
+          <a:ln>
+            <a:noFill/>
+          </a:ln>
+          <a:effectLst/>
+          <a:extLst>
+            <a:ext uri="{909E8E84-426E-40DD-AFC4-6F175D3DCCD1}">
+              <a14:hiddenFill xmlns:a14="http://schemas.microsoft.com/office/drawing/2010/main">
+                <a:solidFill>
+                  <a:srgbClr val="FFFFFF"/>
+                </a:solidFill>
+              </a14:hiddenFill>
+            </a:ext>
+            <a:ext uri="{91240B29-F687-4F45-9708-019B960494DF}">
+              <a14:hiddenLine xmlns:a14="http://schemas.microsoft.com/office/drawing/2010/main" w="9525">
+                <a:solidFill>
+                  <a:srgbClr val="000000"/>
+                </a:solidFill>
+                <a:miter lim="800000"/>
+                <a:headEnd/>
+                <a:tailEnd/>
+              </a14:hiddenLine>
+            </a:ext>
+            <a:ext uri="{AF507438-7753-43E0-B8FC-AC1667EBCBE1}">
+              <a14:hiddenEffects xmlns:a14="http://schemas.microsoft.com/office/drawing/2010/main">
+                <a:effectLst>
+                  <a:outerShdw dist="35921" dir="2700000" algn="ctr" rotWithShape="0">
+                    <a:srgbClr val="808080"/>
+                  </a:outerShdw>
+                </a:effectLst>
+              </a14:hiddenEffects>
+            </a:ext>
+          </a:extLst>
+        </p:spPr>
+      </p:pic>
     </p:spTree>
   </p:cSld>
   <p:clrMapOvr>
     <a:masterClrMapping/>
   </p:clrMapOvr>
+  <p:timing>
+    <p:tnLst>
+      <p:par>
+        <p:cTn id="1" dur="indefinite" restart="never" nodeType="tmRoot">
+          <p:childTnLst>
+            <p:seq concurrent="1" nextAc="seek">
+              <p:cTn id="2" dur="indefinite" nodeType="mainSeq">
+                <p:childTnLst>
+                  <p:par>
+                    <p:cTn id="3" fill="hold" nodeType="clickPar">
+                      <p:stCondLst>
+                        <p:cond delay="indefinite"/>
+                      </p:stCondLst>
+                      <p:childTnLst>
+                        <p:par>
+                          <p:cTn id="4" fill="hold" nodeType="withGroup">
+                            <p:stCondLst>
+                              <p:cond delay="0"/>
+                            </p:stCondLst>
+                            <p:childTnLst>
+                              <p:par>
+                                <p:cTn id="5" presetID="10" presetClass="entr" presetSubtype="0" fill="hold" nodeType="clickEffect">
+                                  <p:stCondLst>
+                                    <p:cond delay="0"/>
+                                  </p:stCondLst>
+                                  <p:childTnLst>
+                                    <p:set>
+                                      <p:cBhvr>
+                                        <p:cTn id="6" dur="1" fill="hold">
+                                          <p:stCondLst>
+                                            <p:cond delay="0"/>
+                                          </p:stCondLst>
+                                        </p:cTn>
+                                        <p:tgtEl>
+                                          <p:spTgt spid="873475"/>
+                                        </p:tgtEl>
+                                        <p:attrNameLst>
+                                          <p:attrName>style.visibility</p:attrName>
+                                        </p:attrNameLst>
+                                      </p:cBhvr>
+                                      <p:to>
+                                        <p:strVal val="visible"/>
+                                      </p:to>
+                                    </p:set>
+                                    <p:animEffect transition="in" filter="fade">
+                                      <p:cBhvr>
+                                        <p:cTn id="7" dur="500"/>
+                                        <p:tgtEl>
+                                          <p:spTgt spid="873475"/>
+                                        </p:tgtEl>
+                                      </p:cBhvr>
+                                    </p:animEffect>
+                                  </p:childTnLst>
+                                </p:cTn>
+                              </p:par>
+                            </p:childTnLst>
+                          </p:cTn>
+                        </p:par>
+                      </p:childTnLst>
+                    </p:cTn>
+                  </p:par>
+                </p:childTnLst>
+              </p:cTn>
+              <p:prevCondLst>
+                <p:cond evt="onPrev" delay="0">
+                  <p:tgtEl>
+                    <p:sldTgt/>
+                  </p:tgtEl>
+                </p:cond>
+              </p:prevCondLst>
+              <p:nextCondLst>
+                <p:cond evt="onNext" delay="0">
+                  <p:tgtEl>
+                    <p:sldTgt/>
+                  </p:tgtEl>
+                </p:cond>
+              </p:nextCondLst>
+            </p:seq>
+          </p:childTnLst>
+        </p:cTn>
+      </p:par>
+    </p:tnLst>
+  </p:timing>
 </p:sld>
 </file>
 
